--- a/Lab5/Presentation.pptx
+++ b/Lab5/Presentation.pptx
@@ -9,7 +9,9 @@
     <p:sldId id="257" r:id="rId3"/>
     <p:sldId id="258" r:id="rId4"/>
     <p:sldId id="259" r:id="rId5"/>
-    <p:sldId id="260" r:id="rId6"/>
+    <p:sldId id="262" r:id="rId6"/>
+    <p:sldId id="263" r:id="rId7"/>
+    <p:sldId id="260" r:id="rId8"/>
   </p:sldIdLst>
   <p:sldSz cx="12192000" cy="6858000"/>
   <p:notesSz cx="6858000" cy="9144000"/>
@@ -21133,6 +21135,256 @@
           <a:chExt cx="0" cy="0"/>
         </a:xfrm>
       </p:grpSpPr>
+      <p:pic>
+        <p:nvPicPr>
+          <p:cNvPr id="5" name="Picture 4">
+            <a:extLst>
+              <a:ext uri="{FF2B5EF4-FFF2-40B4-BE49-F238E27FC236}">
+                <a16:creationId xmlns:a16="http://schemas.microsoft.com/office/drawing/2014/main" id="{6A0FB7F3-C5F9-164A-A20A-7E77DC56A4AF}"/>
+              </a:ext>
+            </a:extLst>
+          </p:cNvPr>
+          <p:cNvPicPr>
+            <a:picLocks noChangeAspect="1"/>
+          </p:cNvPicPr>
+          <p:nvPr/>
+        </p:nvPicPr>
+        <p:blipFill>
+          <a:blip r:embed="rId2"/>
+          <a:stretch>
+            <a:fillRect/>
+          </a:stretch>
+        </p:blipFill>
+        <p:spPr>
+          <a:xfrm>
+            <a:off x="1317783" y="1848815"/>
+            <a:ext cx="3004314" cy="4800787"/>
+          </a:xfrm>
+          <a:prstGeom prst="rect">
+            <a:avLst/>
+          </a:prstGeom>
+        </p:spPr>
+      </p:pic>
+      <p:sp>
+        <p:nvSpPr>
+          <p:cNvPr id="6" name="TextBox 5">
+            <a:extLst>
+              <a:ext uri="{FF2B5EF4-FFF2-40B4-BE49-F238E27FC236}">
+                <a16:creationId xmlns:a16="http://schemas.microsoft.com/office/drawing/2014/main" id="{FE4AF7E3-317E-6F47-9369-C252B27B8DBF}"/>
+              </a:ext>
+            </a:extLst>
+          </p:cNvPr>
+          <p:cNvSpPr txBox="1"/>
+          <p:nvPr/>
+        </p:nvSpPr>
+        <p:spPr>
+          <a:xfrm>
+            <a:off x="1024128" y="1011858"/>
+            <a:ext cx="3591624" cy="646331"/>
+          </a:xfrm>
+          <a:prstGeom prst="rect">
+            <a:avLst/>
+          </a:prstGeom>
+          <a:noFill/>
+        </p:spPr>
+        <p:txBody>
+          <a:bodyPr wrap="none" rtlCol="0">
+            <a:spAutoFit/>
+          </a:bodyPr>
+          <a:lstStyle/>
+          <a:p>
+            <a:r>
+              <a:rPr lang="en-TH" sz="3600" dirty="0"/>
+              <a:t>Task 2 : Stopwatch</a:t>
+            </a:r>
+          </a:p>
+        </p:txBody>
+      </p:sp>
+      <p:pic>
+        <p:nvPicPr>
+          <p:cNvPr id="3" name="Picture 2">
+            <a:extLst>
+              <a:ext uri="{FF2B5EF4-FFF2-40B4-BE49-F238E27FC236}">
+                <a16:creationId xmlns:a16="http://schemas.microsoft.com/office/drawing/2014/main" id="{86CA11C4-47F1-F74C-9465-0037DB9E2D9A}"/>
+              </a:ext>
+            </a:extLst>
+          </p:cNvPr>
+          <p:cNvPicPr>
+            <a:picLocks noChangeAspect="1"/>
+          </p:cNvPicPr>
+          <p:nvPr/>
+        </p:nvPicPr>
+        <p:blipFill>
+          <a:blip r:embed="rId3"/>
+          <a:stretch>
+            <a:fillRect/>
+          </a:stretch>
+        </p:blipFill>
+        <p:spPr>
+          <a:xfrm>
+            <a:off x="4615752" y="2541058"/>
+            <a:ext cx="7239000" cy="3416300"/>
+          </a:xfrm>
+          <a:prstGeom prst="rect">
+            <a:avLst/>
+          </a:prstGeom>
+        </p:spPr>
+      </p:pic>
+    </p:spTree>
+    <p:extLst>
+      <p:ext uri="{BB962C8B-B14F-4D97-AF65-F5344CB8AC3E}">
+        <p14:creationId xmlns:p14="http://schemas.microsoft.com/office/powerpoint/2010/main" val="3309969407"/>
+      </p:ext>
+    </p:extLst>
+  </p:cSld>
+  <p:clrMapOvr>
+    <a:masterClrMapping/>
+  </p:clrMapOvr>
+</p:sld>
+</file>
+
+<file path=ppt/slides/slide6.xml><?xml version="1.0" encoding="utf-8"?>
+<p:sld xmlns:a="http://schemas.openxmlformats.org/drawingml/2006/main" xmlns:r="http://schemas.openxmlformats.org/officeDocument/2006/relationships" xmlns:p="http://schemas.openxmlformats.org/presentationml/2006/main">
+  <p:cSld>
+    <p:spTree>
+      <p:nvGrpSpPr>
+        <p:cNvPr id="1" name=""/>
+        <p:cNvGrpSpPr/>
+        <p:nvPr/>
+      </p:nvGrpSpPr>
+      <p:grpSpPr>
+        <a:xfrm>
+          <a:off x="0" y="0"/>
+          <a:ext cx="0" cy="0"/>
+          <a:chOff x="0" y="0"/>
+          <a:chExt cx="0" cy="0"/>
+        </a:xfrm>
+      </p:grpSpPr>
+      <p:sp>
+        <p:nvSpPr>
+          <p:cNvPr id="6" name="TextBox 5">
+            <a:extLst>
+              <a:ext uri="{FF2B5EF4-FFF2-40B4-BE49-F238E27FC236}">
+                <a16:creationId xmlns:a16="http://schemas.microsoft.com/office/drawing/2014/main" id="{FE4AF7E3-317E-6F47-9369-C252B27B8DBF}"/>
+              </a:ext>
+            </a:extLst>
+          </p:cNvPr>
+          <p:cNvSpPr txBox="1"/>
+          <p:nvPr/>
+        </p:nvSpPr>
+        <p:spPr>
+          <a:xfrm>
+            <a:off x="1024128" y="1011858"/>
+            <a:ext cx="3591624" cy="646331"/>
+          </a:xfrm>
+          <a:prstGeom prst="rect">
+            <a:avLst/>
+          </a:prstGeom>
+          <a:noFill/>
+        </p:spPr>
+        <p:txBody>
+          <a:bodyPr wrap="none" rtlCol="0">
+            <a:spAutoFit/>
+          </a:bodyPr>
+          <a:lstStyle/>
+          <a:p>
+            <a:r>
+              <a:rPr lang="en-TH" sz="3600" dirty="0"/>
+              <a:t>Task 2 : Stopwatch</a:t>
+            </a:r>
+          </a:p>
+        </p:txBody>
+      </p:sp>
+      <p:pic>
+        <p:nvPicPr>
+          <p:cNvPr id="4" name="Picture 3">
+            <a:extLst>
+              <a:ext uri="{FF2B5EF4-FFF2-40B4-BE49-F238E27FC236}">
+                <a16:creationId xmlns:a16="http://schemas.microsoft.com/office/drawing/2014/main" id="{1D676B3F-75B6-7948-AF30-F3AFC053AD7C}"/>
+              </a:ext>
+            </a:extLst>
+          </p:cNvPr>
+          <p:cNvPicPr>
+            <a:picLocks noChangeAspect="1"/>
+          </p:cNvPicPr>
+          <p:nvPr/>
+        </p:nvPicPr>
+        <p:blipFill>
+          <a:blip r:embed="rId2"/>
+          <a:stretch>
+            <a:fillRect/>
+          </a:stretch>
+        </p:blipFill>
+        <p:spPr>
+          <a:xfrm>
+            <a:off x="1024128" y="1645834"/>
+            <a:ext cx="5220824" cy="5212166"/>
+          </a:xfrm>
+          <a:prstGeom prst="rect">
+            <a:avLst/>
+          </a:prstGeom>
+        </p:spPr>
+      </p:pic>
+      <p:pic>
+        <p:nvPicPr>
+          <p:cNvPr id="8" name="Picture 7">
+            <a:extLst>
+              <a:ext uri="{FF2B5EF4-FFF2-40B4-BE49-F238E27FC236}">
+                <a16:creationId xmlns:a16="http://schemas.microsoft.com/office/drawing/2014/main" id="{105B650F-DA79-3F42-B3E4-1A67E1A8F916}"/>
+              </a:ext>
+            </a:extLst>
+          </p:cNvPr>
+          <p:cNvPicPr>
+            <a:picLocks noChangeAspect="1"/>
+          </p:cNvPicPr>
+          <p:nvPr/>
+        </p:nvPicPr>
+        <p:blipFill>
+          <a:blip r:embed="rId3"/>
+          <a:stretch>
+            <a:fillRect/>
+          </a:stretch>
+        </p:blipFill>
+        <p:spPr>
+          <a:xfrm>
+            <a:off x="6413500" y="2374900"/>
+            <a:ext cx="5626100" cy="3429000"/>
+          </a:xfrm>
+          <a:prstGeom prst="rect">
+            <a:avLst/>
+          </a:prstGeom>
+        </p:spPr>
+      </p:pic>
+    </p:spTree>
+    <p:extLst>
+      <p:ext uri="{BB962C8B-B14F-4D97-AF65-F5344CB8AC3E}">
+        <p14:creationId xmlns:p14="http://schemas.microsoft.com/office/powerpoint/2010/main" val="813131781"/>
+      </p:ext>
+    </p:extLst>
+  </p:cSld>
+  <p:clrMapOvr>
+    <a:masterClrMapping/>
+  </p:clrMapOvr>
+</p:sld>
+</file>
+
+<file path=ppt/slides/slide7.xml><?xml version="1.0" encoding="utf-8"?>
+<p:sld xmlns:a="http://schemas.openxmlformats.org/drawingml/2006/main" xmlns:r="http://schemas.openxmlformats.org/officeDocument/2006/relationships" xmlns:p="http://schemas.openxmlformats.org/presentationml/2006/main">
+  <p:cSld>
+    <p:spTree>
+      <p:nvGrpSpPr>
+        <p:cNvPr id="1" name=""/>
+        <p:cNvGrpSpPr/>
+        <p:nvPr/>
+      </p:nvGrpSpPr>
+      <p:grpSpPr>
+        <a:xfrm>
+          <a:off x="0" y="0"/>
+          <a:ext cx="0" cy="0"/>
+          <a:chOff x="0" y="0"/>
+          <a:chExt cx="0" cy="0"/>
+        </a:xfrm>
+      </p:grpSpPr>
       <p:sp>
         <p:nvSpPr>
           <p:cNvPr id="2" name="Title 1">
